--- a/ShapeCrawler.Tests.Shared/assets/autoshape/autoshape-case015.pptx
+++ b/ShapeCrawler.Tests.Shared/assets/autoshape/autoshape-case015.pptx
@@ -238,7 +238,7 @@
           <a:p>
             <a:fld id="{17B0E2F1-F5EC-4708-BB7A-260D58CE6E09}" type="datetimeFigureOut">
               <a:rPr lang="en-US" smtClean="0"/>
-              <a:t>1/7/2023</a:t>
+              <a:t>1/30/2023</a:t>
             </a:fld>
             <a:endParaRPr lang="en-US"/>
           </a:p>
@@ -415,7 +415,7 @@
           <a:p>
             <a:fld id="{BB8E4D5A-60A2-498F-B618-80D01F3D83C0}" type="datetimeFigureOut">
               <a:rPr lang="en-US" smtClean="0"/>
-              <a:t>1/7/2023</a:t>
+              <a:t>1/30/2023</a:t>
             </a:fld>
             <a:endParaRPr lang="en-US"/>
           </a:p>
@@ -1530,6 +1530,77 @@
           </a:p>
         </p:txBody>
       </p:sp>
+      <p:sp>
+        <p:nvSpPr>
+          <p:cNvPr id="13" name="AutoShape 1">
+            <a:extLst>
+              <a:ext uri="{FF2B5EF4-FFF2-40B4-BE49-F238E27FC236}">
+                <a16:creationId xmlns:a16="http://schemas.microsoft.com/office/drawing/2014/main" id="{7B1FB70E-98F0-464A-9F29-ED9C32B7A238}"/>
+              </a:ext>
+            </a:extLst>
+          </p:cNvPr>
+          <p:cNvSpPr/>
+          <p:nvPr/>
+        </p:nvSpPr>
+        <p:spPr>
+          <a:xfrm>
+            <a:off x="7770253" y="2092357"/>
+            <a:ext cx="1022401" cy="560905"/>
+          </a:xfrm>
+          <a:prstGeom prst="ellipse">
+            <a:avLst/>
+          </a:prstGeom>
+          <a:solidFill>
+            <a:srgbClr val="005D9A"/>
+          </a:solidFill>
+          <a:ln w="12700" cap="flat" cmpd="sng" algn="ctr">
+            <a:noFill/>
+            <a:prstDash val="solid"/>
+            <a:miter lim="800000"/>
+          </a:ln>
+          <a:effectLst/>
+        </p:spPr>
+        <p:txBody>
+          <a:bodyPr rtlCol="0" anchor="ctr"/>
+          <a:lstStyle/>
+          <a:p>
+            <a:pPr marL="0" marR="0" lvl="0" indent="0" algn="ctr" defTabSz="914400" eaLnBrk="1" fontAlgn="auto" latinLnBrk="0" hangingPunct="1">
+              <a:lnSpc>
+                <a:spcPct val="100000"/>
+              </a:lnSpc>
+              <a:spcBef>
+                <a:spcPts val="0"/>
+              </a:spcBef>
+              <a:spcAft>
+                <a:spcPts val="0"/>
+              </a:spcAft>
+              <a:buClrTx/>
+              <a:buSzTx/>
+              <a:buFontTx/>
+              <a:buNone/>
+              <a:tabLst/>
+              <a:defRPr/>
+            </a:pPr>
+            <a:r>
+              <a:rPr kumimoji="0" lang="es-ES" sz="800" b="0" i="0" u="none" strike="noStrike" kern="0" cap="none" spc="0" normalizeH="0" baseline="0" noProof="0" dirty="0">
+                <a:ln>
+                  <a:noFill/>
+                </a:ln>
+                <a:solidFill>
+                  <a:srgbClr val="FFFFFF"/>
+                </a:solidFill>
+                <a:effectLst/>
+                <a:uLnTx/>
+                <a:uFillTx/>
+                <a:latin typeface="Core Sans C 55 Medium"/>
+                <a:ea typeface="+mn-ea"/>
+                <a:cs typeface="+mn-cs"/>
+              </a:rPr>
+              <a:t>AutoShape 1</a:t>
+            </a:r>
+          </a:p>
+        </p:txBody>
+      </p:sp>
     </p:spTree>
     <p:extLst>
       <p:ext uri="{BB962C8B-B14F-4D97-AF65-F5344CB8AC3E}">
